--- a/documentazione/presentazione sys.pptx
+++ b/documentazione/presentazione sys.pptx
@@ -8,17 +8,18 @@
     <p:sldId id="256" r:id="rId2"/>
     <p:sldId id="257" r:id="rId3"/>
     <p:sldId id="259" r:id="rId4"/>
-    <p:sldId id="258" r:id="rId5"/>
-    <p:sldId id="260" r:id="rId6"/>
-    <p:sldId id="265" r:id="rId7"/>
-    <p:sldId id="266" r:id="rId8"/>
-    <p:sldId id="267" r:id="rId9"/>
-    <p:sldId id="261" r:id="rId10"/>
-    <p:sldId id="262" r:id="rId11"/>
-    <p:sldId id="268" r:id="rId12"/>
-    <p:sldId id="263" r:id="rId13"/>
-    <p:sldId id="264" r:id="rId14"/>
-    <p:sldId id="269" r:id="rId15"/>
+    <p:sldId id="270" r:id="rId5"/>
+    <p:sldId id="258" r:id="rId6"/>
+    <p:sldId id="260" r:id="rId7"/>
+    <p:sldId id="265" r:id="rId8"/>
+    <p:sldId id="266" r:id="rId9"/>
+    <p:sldId id="267" r:id="rId10"/>
+    <p:sldId id="261" r:id="rId11"/>
+    <p:sldId id="262" r:id="rId12"/>
+    <p:sldId id="268" r:id="rId13"/>
+    <p:sldId id="263" r:id="rId14"/>
+    <p:sldId id="264" r:id="rId15"/>
+    <p:sldId id="269" r:id="rId16"/>
   </p:sldIdLst>
   <p:sldSz cx="12192000" cy="6858000"/>
   <p:notesSz cx="6858000" cy="9144000"/>
@@ -272,7 +273,7 @@
           <a:p>
             <a:fld id="{EE71472D-D86F-4870-8699-FCB154AFB88E}" type="datetimeFigureOut">
               <a:rPr lang="it-IT" smtClean="0"/>
-              <a:t>30/06/2020</a:t>
+              <a:t>01/07/2020</a:t>
             </a:fld>
             <a:endParaRPr lang="it-IT"/>
           </a:p>
@@ -470,7 +471,7 @@
           <a:p>
             <a:fld id="{EE71472D-D86F-4870-8699-FCB154AFB88E}" type="datetimeFigureOut">
               <a:rPr lang="it-IT" smtClean="0"/>
-              <a:t>30/06/2020</a:t>
+              <a:t>01/07/2020</a:t>
             </a:fld>
             <a:endParaRPr lang="it-IT"/>
           </a:p>
@@ -678,7 +679,7 @@
           <a:p>
             <a:fld id="{EE71472D-D86F-4870-8699-FCB154AFB88E}" type="datetimeFigureOut">
               <a:rPr lang="it-IT" smtClean="0"/>
-              <a:t>30/06/2020</a:t>
+              <a:t>01/07/2020</a:t>
             </a:fld>
             <a:endParaRPr lang="it-IT"/>
           </a:p>
@@ -876,7 +877,7 @@
           <a:p>
             <a:fld id="{EE71472D-D86F-4870-8699-FCB154AFB88E}" type="datetimeFigureOut">
               <a:rPr lang="it-IT" smtClean="0"/>
-              <a:t>30/06/2020</a:t>
+              <a:t>01/07/2020</a:t>
             </a:fld>
             <a:endParaRPr lang="it-IT"/>
           </a:p>
@@ -1151,7 +1152,7 @@
           <a:p>
             <a:fld id="{EE71472D-D86F-4870-8699-FCB154AFB88E}" type="datetimeFigureOut">
               <a:rPr lang="it-IT" smtClean="0"/>
-              <a:t>30/06/2020</a:t>
+              <a:t>01/07/2020</a:t>
             </a:fld>
             <a:endParaRPr lang="it-IT"/>
           </a:p>
@@ -1416,7 +1417,7 @@
           <a:p>
             <a:fld id="{EE71472D-D86F-4870-8699-FCB154AFB88E}" type="datetimeFigureOut">
               <a:rPr lang="it-IT" smtClean="0"/>
-              <a:t>30/06/2020</a:t>
+              <a:t>01/07/2020</a:t>
             </a:fld>
             <a:endParaRPr lang="it-IT"/>
           </a:p>
@@ -1828,7 +1829,7 @@
           <a:p>
             <a:fld id="{EE71472D-D86F-4870-8699-FCB154AFB88E}" type="datetimeFigureOut">
               <a:rPr lang="it-IT" smtClean="0"/>
-              <a:t>30/06/2020</a:t>
+              <a:t>01/07/2020</a:t>
             </a:fld>
             <a:endParaRPr lang="it-IT"/>
           </a:p>
@@ -1969,7 +1970,7 @@
           <a:p>
             <a:fld id="{EE71472D-D86F-4870-8699-FCB154AFB88E}" type="datetimeFigureOut">
               <a:rPr lang="it-IT" smtClean="0"/>
-              <a:t>30/06/2020</a:t>
+              <a:t>01/07/2020</a:t>
             </a:fld>
             <a:endParaRPr lang="it-IT"/>
           </a:p>
@@ -2082,7 +2083,7 @@
           <a:p>
             <a:fld id="{EE71472D-D86F-4870-8699-FCB154AFB88E}" type="datetimeFigureOut">
               <a:rPr lang="it-IT" smtClean="0"/>
-              <a:t>30/06/2020</a:t>
+              <a:t>01/07/2020</a:t>
             </a:fld>
             <a:endParaRPr lang="it-IT"/>
           </a:p>
@@ -2393,7 +2394,7 @@
           <a:p>
             <a:fld id="{EE71472D-D86F-4870-8699-FCB154AFB88E}" type="datetimeFigureOut">
               <a:rPr lang="it-IT" smtClean="0"/>
-              <a:t>30/06/2020</a:t>
+              <a:t>01/07/2020</a:t>
             </a:fld>
             <a:endParaRPr lang="it-IT"/>
           </a:p>
@@ -2681,7 +2682,7 @@
           <a:p>
             <a:fld id="{EE71472D-D86F-4870-8699-FCB154AFB88E}" type="datetimeFigureOut">
               <a:rPr lang="it-IT" smtClean="0"/>
-              <a:t>30/06/2020</a:t>
+              <a:t>01/07/2020</a:t>
             </a:fld>
             <a:endParaRPr lang="it-IT"/>
           </a:p>
@@ -2922,7 +2923,7 @@
           <a:p>
             <a:fld id="{EE71472D-D86F-4870-8699-FCB154AFB88E}" type="datetimeFigureOut">
               <a:rPr lang="it-IT" smtClean="0"/>
-              <a:t>30/06/2020</a:t>
+              <a:t>01/07/2020</a:t>
             </a:fld>
             <a:endParaRPr lang="it-IT"/>
           </a:p>
@@ -3496,6 +3497,157 @@
       </p:grpSpPr>
       <p:sp>
         <p:nvSpPr>
+          <p:cNvPr id="2" name="Titolo 1">
+            <a:extLst>
+              <a:ext uri="{FF2B5EF4-FFF2-40B4-BE49-F238E27FC236}">
+                <a16:creationId xmlns:a16="http://schemas.microsoft.com/office/drawing/2014/main" id="{DE411D0B-F5A2-4E6D-841F-AEB3E4EC67E6}"/>
+              </a:ext>
+            </a:extLst>
+          </p:cNvPr>
+          <p:cNvSpPr>
+            <a:spLocks noGrp="1"/>
+          </p:cNvSpPr>
+          <p:nvPr>
+            <p:ph type="title"/>
+          </p:nvPr>
+        </p:nvSpPr>
+        <p:spPr/>
+        <p:txBody>
+          <a:bodyPr/>
+          <a:lstStyle/>
+          <a:p>
+            <a:r>
+              <a:rPr lang="it-IT" b="1" dirty="0">
+                <a:solidFill>
+                  <a:schemeClr val="accent6"/>
+                </a:solidFill>
+              </a:rPr>
+              <a:t>Approccio utilizzato: learning rate e numero di epoche</a:t>
+            </a:r>
+          </a:p>
+        </p:txBody>
+      </p:sp>
+      <p:sp>
+        <p:nvSpPr>
+          <p:cNvPr id="3" name="Segnaposto contenuto 2">
+            <a:extLst>
+              <a:ext uri="{FF2B5EF4-FFF2-40B4-BE49-F238E27FC236}">
+                <a16:creationId xmlns:a16="http://schemas.microsoft.com/office/drawing/2014/main" id="{4B295543-1E1A-482B-AA7C-46C9F813CD57}"/>
+              </a:ext>
+            </a:extLst>
+          </p:cNvPr>
+          <p:cNvSpPr>
+            <a:spLocks noGrp="1"/>
+          </p:cNvSpPr>
+          <p:nvPr>
+            <p:ph idx="1"/>
+          </p:nvPr>
+        </p:nvSpPr>
+        <p:spPr/>
+        <p:txBody>
+          <a:bodyPr>
+            <a:normAutofit lnSpcReduction="10000"/>
+          </a:bodyPr>
+          <a:lstStyle/>
+          <a:p>
+            <a:r>
+              <a:rPr lang="it-IT" b="1" dirty="0"/>
+              <a:t>Prima fase Dense</a:t>
+            </a:r>
+            <a:r>
+              <a:rPr lang="it-IT" dirty="0"/>
+              <a:t>: learning rate impostato a </a:t>
+            </a:r>
+            <a:r>
+              <a:rPr lang="it-IT" b="1" dirty="0"/>
+              <a:t>1e-4 </a:t>
+            </a:r>
+            <a:r>
+              <a:rPr lang="it-IT" dirty="0"/>
+              <a:t>e numero di epoche impostato a 200.</a:t>
+            </a:r>
+            <a:r>
+              <a:rPr lang="it-IT" b="1" dirty="0"/>
+              <a:t> </a:t>
+            </a:r>
+          </a:p>
+          <a:p>
+            <a:r>
+              <a:rPr lang="it-IT" b="1" dirty="0"/>
+              <a:t>Prima fase Sparse</a:t>
+            </a:r>
+            <a:r>
+              <a:rPr lang="it-IT" dirty="0"/>
+              <a:t>: valore di learning rate uguale a quello ottenuto nella fase precedente e numero di epoche impostato a 50.</a:t>
+            </a:r>
+          </a:p>
+          <a:p>
+            <a:r>
+              <a:rPr lang="it-IT" b="1" dirty="0"/>
+              <a:t>Seconda fase Dense</a:t>
+            </a:r>
+            <a:r>
+              <a:rPr lang="it-IT" dirty="0"/>
+              <a:t>: valore di learning rate uguale a quello ottenuto nella fase precedente e numero di epoche impostato a 50.</a:t>
+            </a:r>
+          </a:p>
+          <a:p>
+            <a:r>
+              <a:rPr lang="it-IT" b="1" dirty="0"/>
+              <a:t>Seconda fase Sparse</a:t>
+            </a:r>
+            <a:r>
+              <a:rPr lang="it-IT" dirty="0"/>
+              <a:t>: valore di learning rate uguale a quello ottenuto nella fase precedente e numero di epoche impostato a 50.</a:t>
+            </a:r>
+          </a:p>
+          <a:p>
+            <a:r>
+              <a:rPr lang="it-IT" b="1" dirty="0"/>
+              <a:t>Terza fase Dense</a:t>
+            </a:r>
+            <a:r>
+              <a:rPr lang="it-IT" dirty="0"/>
+              <a:t>: valore di learning rate uguale a quello ottenuto nella fase precedente e numero di epoche impostato a 50.</a:t>
+            </a:r>
+          </a:p>
+          <a:p>
+            <a:endParaRPr lang="it-IT" dirty="0"/>
+          </a:p>
+        </p:txBody>
+      </p:sp>
+    </p:spTree>
+    <p:extLst>
+      <p:ext uri="{BB962C8B-B14F-4D97-AF65-F5344CB8AC3E}">
+        <p14:creationId xmlns:p14="http://schemas.microsoft.com/office/powerpoint/2010/main" val="1285700180"/>
+      </p:ext>
+    </p:extLst>
+  </p:cSld>
+  <p:clrMapOvr>
+    <a:masterClrMapping/>
+  </p:clrMapOvr>
+</p:sld>
+</file>
+
+<file path=ppt/slides/slide11.xml><?xml version="1.0" encoding="utf-8"?>
+<p:sld xmlns:a="http://schemas.openxmlformats.org/drawingml/2006/main" xmlns:r="http://schemas.openxmlformats.org/officeDocument/2006/relationships" xmlns:p="http://schemas.openxmlformats.org/presentationml/2006/main">
+  <p:cSld>
+    <p:spTree>
+      <p:nvGrpSpPr>
+        <p:cNvPr id="1" name=""/>
+        <p:cNvGrpSpPr/>
+        <p:nvPr/>
+      </p:nvGrpSpPr>
+      <p:grpSpPr>
+        <a:xfrm>
+          <a:off x="0" y="0"/>
+          <a:ext cx="0" cy="0"/>
+          <a:chOff x="0" y="0"/>
+          <a:chExt cx="0" cy="0"/>
+        </a:xfrm>
+      </p:grpSpPr>
+      <p:sp>
+        <p:nvSpPr>
           <p:cNvPr id="7" name="Rettangolo 6">
             <a:extLst>
               <a:ext uri="{FF2B5EF4-FFF2-40B4-BE49-F238E27FC236}">
@@ -3797,7 +3949,7 @@
 </p:sld>
 </file>
 
-<file path=ppt/slides/slide11.xml><?xml version="1.0" encoding="utf-8"?>
+<file path=ppt/slides/slide12.xml><?xml version="1.0" encoding="utf-8"?>
 <p:sld xmlns:a="http://schemas.openxmlformats.org/drawingml/2006/main" xmlns:r="http://schemas.openxmlformats.org/officeDocument/2006/relationships" xmlns:p="http://schemas.openxmlformats.org/presentationml/2006/main">
   <p:cSld>
     <p:spTree>
@@ -4086,7 +4238,7 @@
 </p:sld>
 </file>
 
-<file path=ppt/slides/slide12.xml><?xml version="1.0" encoding="utf-8"?>
+<file path=ppt/slides/slide13.xml><?xml version="1.0" encoding="utf-8"?>
 <p:sld xmlns:a="http://schemas.openxmlformats.org/drawingml/2006/main" xmlns:r="http://schemas.openxmlformats.org/officeDocument/2006/relationships" xmlns:p="http://schemas.openxmlformats.org/presentationml/2006/main">
   <p:cSld>
     <p:spTree>
@@ -6290,7 +6442,7 @@
 </p:sld>
 </file>
 
-<file path=ppt/slides/slide13.xml><?xml version="1.0" encoding="utf-8"?>
+<file path=ppt/slides/slide14.xml><?xml version="1.0" encoding="utf-8"?>
 <p:sld xmlns:a="http://schemas.openxmlformats.org/drawingml/2006/main" xmlns:r="http://schemas.openxmlformats.org/officeDocument/2006/relationships" xmlns:p="http://schemas.openxmlformats.org/presentationml/2006/main">
   <p:cSld>
     <p:spTree>
@@ -6433,7 +6585,7 @@
 </p:sld>
 </file>
 
-<file path=ppt/slides/slide14.xml><?xml version="1.0" encoding="utf-8"?>
+<file path=ppt/slides/slide15.xml><?xml version="1.0" encoding="utf-8"?>
 <p:sld xmlns:a="http://schemas.openxmlformats.org/drawingml/2006/main" xmlns:r="http://schemas.openxmlformats.org/officeDocument/2006/relationships" xmlns:p="http://schemas.openxmlformats.org/presentationml/2006/main">
   <p:cSld>
     <p:spTree>
@@ -6826,7 +6978,7 @@
           <a:p>
             <a:r>
               <a:rPr lang="it-IT" dirty="0"/>
-              <a:t>Il dataset su cui sono state addestrati i due modelli è FER2013</a:t>
+              <a:t>Il dataset su cui sono stati addestrati i due modelli è FER2013</a:t>
             </a:r>
           </a:p>
           <a:p>
@@ -6844,7 +6996,7 @@
             </a:r>
             <a:r>
               <a:rPr lang="it-IT" dirty="0" err="1"/>
-              <a:t>validatio</a:t>
+              <a:t>validation</a:t>
             </a:r>
             <a:r>
               <a:rPr lang="it-IT" dirty="0"/>
@@ -6942,7 +7094,7 @@
           <p:cNvPr id="2" name="Titolo 1">
             <a:extLst>
               <a:ext uri="{FF2B5EF4-FFF2-40B4-BE49-F238E27FC236}">
-                <a16:creationId xmlns:a16="http://schemas.microsoft.com/office/drawing/2014/main" id="{BFED13CE-2413-45E7-BEB8-FB8485728BDE}"/>
+                <a16:creationId xmlns:a16="http://schemas.microsoft.com/office/drawing/2014/main" id="{9583505B-2CA1-4B0F-AD82-9178651D5772}"/>
               </a:ext>
             </a:extLst>
           </p:cNvPr>
@@ -6958,27 +7110,15 @@
           <a:bodyPr/>
           <a:lstStyle/>
           <a:p>
-            <a:r>
-              <a:rPr lang="it-IT" b="1" dirty="0">
-                <a:solidFill>
-                  <a:schemeClr val="accent6"/>
-                </a:solidFill>
-              </a:rPr>
-              <a:t>Approccio utilizzato: sostituzione </a:t>
-            </a:r>
             <a:r>
               <a:rPr lang="it-IT" b="1" dirty="0" err="1">
                 <a:solidFill>
                   <a:schemeClr val="accent6"/>
                 </a:solidFill>
               </a:rPr>
-              <a:t>layers</a:t>
-            </a:r>
-            <a:endParaRPr lang="it-IT" b="1" dirty="0">
-              <a:solidFill>
-                <a:schemeClr val="accent6"/>
-              </a:solidFill>
-            </a:endParaRPr>
+              <a:t>Image_classification</a:t>
+            </a:r>
+            <a:endParaRPr lang="it-IT" dirty="0"/>
           </a:p>
         </p:txBody>
       </p:sp>
@@ -6987,7 +7127,7 @@
           <p:cNvPr id="3" name="Segnaposto contenuto 2">
             <a:extLst>
               <a:ext uri="{FF2B5EF4-FFF2-40B4-BE49-F238E27FC236}">
-                <a16:creationId xmlns:a16="http://schemas.microsoft.com/office/drawing/2014/main" id="{1608051A-990B-40B8-8BC9-10D368770B5E}"/>
+                <a16:creationId xmlns:a16="http://schemas.microsoft.com/office/drawing/2014/main" id="{2F4EAB2A-7A93-4996-9519-DF694A7B0B55}"/>
               </a:ext>
             </a:extLst>
           </p:cNvPr>
@@ -7000,181 +7140,46 @@
         </p:nvSpPr>
         <p:spPr/>
         <p:txBody>
-          <a:bodyPr>
-            <a:normAutofit/>
-          </a:bodyPr>
+          <a:bodyPr/>
           <a:lstStyle/>
           <a:p>
-            <a:pPr marL="0" indent="0">
-              <a:buNone/>
-            </a:pPr>
-            <a:r>
-              <a:rPr lang="it-IT" sz="2400" dirty="0"/>
-              <a:t>Per il training  dei modelli si è utilizzato l’approccio contenuto nel paper «</a:t>
-            </a:r>
-            <a:r>
-              <a:rPr lang="en-US" sz="2400" dirty="0"/>
-              <a:t>Local Learning With Deep and Handcrafted Features for Facial Expression Recognition</a:t>
-            </a:r>
-            <a:r>
-              <a:rPr lang="it-IT" sz="2400" dirty="0"/>
-              <a:t>» (</a:t>
-            </a:r>
-            <a:r>
-              <a:rPr lang="it-IT" sz="2400" u="sng" dirty="0">
-                <a:hlinkClick r:id="rId2"/>
-              </a:rPr>
-              <a:t>https://ieeexplore.ieee.org/stamp/stamp.jsp?arnumber=8716652</a:t>
-            </a:r>
-            <a:r>
-              <a:rPr lang="it-IT" sz="2400" dirty="0"/>
-              <a:t>)</a:t>
-            </a:r>
-          </a:p>
-          <a:p>
-            <a:pPr marL="0" indent="0">
-              <a:buNone/>
-            </a:pPr>
-            <a:endParaRPr lang="it-IT" sz="2400" dirty="0"/>
-          </a:p>
-          <a:p>
-            <a:r>
-              <a:rPr lang="it-IT" sz="2400" b="1" dirty="0" err="1"/>
-              <a:t>VGGFace</a:t>
-            </a:r>
-            <a:r>
-              <a:rPr lang="it-IT" sz="2400" b="1" dirty="0"/>
-              <a:t>(vgg16)</a:t>
-            </a:r>
-            <a:r>
-              <a:rPr lang="it-IT" sz="2400" dirty="0"/>
-              <a:t>:  congelati tutti i </a:t>
-            </a:r>
-            <a:r>
-              <a:rPr lang="it-IT" sz="2400" dirty="0" err="1"/>
-              <a:t>layers</a:t>
-            </a:r>
-            <a:r>
-              <a:rPr lang="it-IT" sz="2400" dirty="0"/>
-              <a:t> </a:t>
-            </a:r>
-            <a:r>
-              <a:rPr lang="it-IT" sz="2400" dirty="0" err="1"/>
-              <a:t>convoluzionali</a:t>
-            </a:r>
-            <a:r>
-              <a:rPr lang="it-IT" sz="2400" dirty="0"/>
-              <a:t>. E’ stato rimpiazzato l’ultimo </a:t>
-            </a:r>
-            <a:r>
-              <a:rPr lang="it-IT" sz="2400" dirty="0" err="1"/>
-              <a:t>layer</a:t>
-            </a:r>
-            <a:r>
-              <a:rPr lang="it-IT" sz="2400" dirty="0"/>
-              <a:t> </a:t>
-            </a:r>
-            <a:r>
-              <a:rPr lang="it-IT" sz="2400" dirty="0" err="1"/>
-              <a:t>softmax</a:t>
-            </a:r>
-            <a:r>
-              <a:rPr lang="it-IT" sz="2400" dirty="0"/>
-              <a:t>, formato da 1000 unità, con un altro formato da 7 unità. Dopo il primo </a:t>
-            </a:r>
-            <a:r>
-              <a:rPr lang="it-IT" sz="2400" dirty="0" err="1"/>
-              <a:t>layer</a:t>
-            </a:r>
-            <a:r>
-              <a:rPr lang="it-IT" sz="2400" dirty="0"/>
-              <a:t> </a:t>
-            </a:r>
-            <a:r>
-              <a:rPr lang="it-IT" sz="2400" dirty="0" err="1"/>
-              <a:t>fully-connected</a:t>
-            </a:r>
-            <a:r>
-              <a:rPr lang="it-IT" sz="2400" dirty="0"/>
-              <a:t> è stato aggiunto un </a:t>
-            </a:r>
-            <a:r>
-              <a:rPr lang="it-IT" sz="2400" dirty="0" err="1"/>
-              <a:t>layer</a:t>
-            </a:r>
-            <a:r>
-              <a:rPr lang="it-IT" sz="2400" dirty="0"/>
-              <a:t> </a:t>
-            </a:r>
-            <a:r>
-              <a:rPr lang="it-IT" sz="2400" dirty="0" err="1"/>
-              <a:t>Dropout</a:t>
-            </a:r>
-            <a:r>
-              <a:rPr lang="it-IT" sz="2400" dirty="0"/>
-              <a:t> con </a:t>
-            </a:r>
-            <a:r>
-              <a:rPr lang="it-IT" sz="2400" dirty="0" err="1"/>
-              <a:t>dropout</a:t>
-            </a:r>
-            <a:r>
-              <a:rPr lang="it-IT" sz="2400" dirty="0"/>
-              <a:t> rate impostato a 0.7.</a:t>
-            </a:r>
-          </a:p>
-          <a:p>
-            <a:r>
-              <a:rPr lang="it-IT" sz="2400" b="1" dirty="0" err="1"/>
-              <a:t>VGGFace</a:t>
-            </a:r>
-            <a:r>
-              <a:rPr lang="it-IT" sz="2400" b="1" dirty="0"/>
-              <a:t>(ResNet50)</a:t>
-            </a:r>
-            <a:r>
-              <a:rPr lang="it-IT" sz="2400" dirty="0"/>
-              <a:t>:</a:t>
-            </a:r>
-            <a:r>
-              <a:rPr lang="it-IT" sz="2400" b="1" dirty="0"/>
-              <a:t> </a:t>
-            </a:r>
-            <a:r>
-              <a:rPr lang="it-IT" sz="2400" dirty="0"/>
-              <a:t>congelati tutti i </a:t>
-            </a:r>
-            <a:r>
-              <a:rPr lang="it-IT" sz="2400" dirty="0" err="1"/>
-              <a:t>layers</a:t>
-            </a:r>
-            <a:r>
-              <a:rPr lang="it-IT" sz="2400" dirty="0"/>
-              <a:t> </a:t>
-            </a:r>
-            <a:r>
-              <a:rPr lang="it-IT" sz="2400" dirty="0" err="1"/>
-              <a:t>convoluzionali</a:t>
-            </a:r>
-            <a:r>
-              <a:rPr lang="it-IT" sz="2400" dirty="0"/>
-              <a:t>. Sono stati aggiunti dei </a:t>
-            </a:r>
-            <a:r>
-              <a:rPr lang="it-IT" sz="2400" dirty="0" err="1"/>
-              <a:t>layers</a:t>
-            </a:r>
-            <a:r>
-              <a:rPr lang="it-IT" sz="2400" dirty="0"/>
-              <a:t> Dense, </a:t>
-            </a:r>
-            <a:r>
-              <a:rPr lang="it-IT" sz="2400" dirty="0" err="1"/>
-              <a:t>Dropout</a:t>
-            </a:r>
-            <a:r>
-              <a:rPr lang="it-IT" sz="2400" dirty="0"/>
-              <a:t>, Dense</a:t>
+            <a:r>
+              <a:rPr lang="it-IT" dirty="0"/>
+              <a:t>File nel quale è contenuto uno script per la classificazione delle immagini contenute nel dataset.</a:t>
+            </a:r>
+          </a:p>
+          <a:p>
+            <a:r>
+              <a:rPr lang="it-IT" dirty="0"/>
+              <a:t>Ogni riga della tabella contenuta nel file .</a:t>
+            </a:r>
+            <a:r>
+              <a:rPr lang="it-IT" dirty="0" err="1"/>
+              <a:t>csv</a:t>
+            </a:r>
+            <a:r>
+              <a:rPr lang="it-IT" dirty="0"/>
+              <a:t> di FER2013 rappresenta una immagine.</a:t>
+            </a:r>
+          </a:p>
+          <a:p>
+            <a:r>
+              <a:rPr lang="it-IT" dirty="0"/>
+              <a:t>Lo script estrae i pixels da ogni riga e in base alla rispettiva classe di emozione e all’utilizzo (se Training, Test o </a:t>
+            </a:r>
+            <a:r>
+              <a:rPr lang="it-IT" dirty="0" err="1"/>
+              <a:t>Validation</a:t>
+            </a:r>
+            <a:r>
+              <a:rPr lang="it-IT" dirty="0"/>
+              <a:t>), converte i pixels in immagine e la salva nella cartella corrispondente a tale emozione.</a:t>
+            </a:r>
+          </a:p>
+          <a:p>
+            <a:r>
+              <a:rPr lang="it-IT" dirty="0"/>
+              <a:t>In sostanza, lo script crea tre cartelle (Test, Val e Train), all’interno delle quali crea tutte le cartelle corrispondenti alle 7 classi di emozioni nelle quali inserisce le rispettive immagini.</a:t>
             </a:r>
           </a:p>
         </p:txBody>
@@ -7182,7 +7187,7 @@
     </p:spTree>
     <p:extLst>
       <p:ext uri="{BB962C8B-B14F-4D97-AF65-F5344CB8AC3E}">
-        <p14:creationId xmlns:p14="http://schemas.microsoft.com/office/powerpoint/2010/main" val="1559038291"/>
+        <p14:creationId xmlns:p14="http://schemas.microsoft.com/office/powerpoint/2010/main" val="1870934559"/>
       </p:ext>
     </p:extLst>
   </p:cSld>
@@ -7214,7 +7219,7 @@
           <p:cNvPr id="2" name="Titolo 1">
             <a:extLst>
               <a:ext uri="{FF2B5EF4-FFF2-40B4-BE49-F238E27FC236}">
-                <a16:creationId xmlns:a16="http://schemas.microsoft.com/office/drawing/2014/main" id="{67B0F3CD-9480-47A1-9E98-20C16B711D93}"/>
+                <a16:creationId xmlns:a16="http://schemas.microsoft.com/office/drawing/2014/main" id="{BFED13CE-2413-45E7-BEB8-FB8485728BDE}"/>
               </a:ext>
             </a:extLst>
           </p:cNvPr>
@@ -7236,8 +7241,21 @@
                   <a:schemeClr val="accent6"/>
                 </a:solidFill>
               </a:rPr>
-              <a:t>Approccio utilizzato: fine-tuning con metodo Dense-Sparse-Dense(DSD)</a:t>
-            </a:r>
+              <a:t>Approccio utilizzato: sostituzione </a:t>
+            </a:r>
+            <a:r>
+              <a:rPr lang="it-IT" b="1" dirty="0" err="1">
+                <a:solidFill>
+                  <a:schemeClr val="accent6"/>
+                </a:solidFill>
+              </a:rPr>
+              <a:t>layers</a:t>
+            </a:r>
+            <a:endParaRPr lang="it-IT" b="1" dirty="0">
+              <a:solidFill>
+                <a:schemeClr val="accent6"/>
+              </a:solidFill>
+            </a:endParaRPr>
           </a:p>
         </p:txBody>
       </p:sp>
@@ -7246,7 +7264,7 @@
           <p:cNvPr id="3" name="Segnaposto contenuto 2">
             <a:extLst>
               <a:ext uri="{FF2B5EF4-FFF2-40B4-BE49-F238E27FC236}">
-                <a16:creationId xmlns:a16="http://schemas.microsoft.com/office/drawing/2014/main" id="{3A795E4F-3B5F-47C6-88D2-0E8154B2F182}"/>
+                <a16:creationId xmlns:a16="http://schemas.microsoft.com/office/drawing/2014/main" id="{1608051A-990B-40B8-8BC9-10D368770B5E}"/>
               </a:ext>
             </a:extLst>
           </p:cNvPr>
@@ -7259,70 +7277,189 @@
         </p:nvSpPr>
         <p:spPr/>
         <p:txBody>
-          <a:bodyPr/>
+          <a:bodyPr>
+            <a:normAutofit/>
+          </a:bodyPr>
           <a:lstStyle/>
           <a:p>
-            <a:r>
-              <a:rPr lang="it-IT" dirty="0"/>
-              <a:t>Metodo utilizzato per ridurre il problema di </a:t>
-            </a:r>
-            <a:r>
-              <a:rPr lang="it-IT" dirty="0" err="1"/>
-              <a:t>overfitting</a:t>
-            </a:r>
-            <a:r>
-              <a:rPr lang="it-IT" dirty="0"/>
-              <a:t> dei modelli.</a:t>
-            </a:r>
-          </a:p>
-          <a:p>
-            <a:r>
-              <a:rPr lang="it-IT" dirty="0"/>
-              <a:t>Consiste nel suddividere il training in tre fasi, due fasi Dense e una fase Sparse.</a:t>
-            </a:r>
-          </a:p>
-          <a:p>
-            <a:r>
-              <a:rPr lang="it-IT" dirty="0"/>
-              <a:t>Nelle fasi successive alla prima, si utilizzano gli stessi </a:t>
-            </a:r>
-            <a:r>
-              <a:rPr lang="it-IT" dirty="0" err="1"/>
+            <a:pPr marL="0" indent="0">
+              <a:buNone/>
+            </a:pPr>
+            <a:r>
+              <a:rPr lang="it-IT" sz="2400" dirty="0"/>
+              <a:t>Per il training  dei modelli si è utilizzato l’approccio contenuto nel paper «</a:t>
+            </a:r>
+            <a:r>
+              <a:rPr lang="en-US" sz="2400" dirty="0"/>
+              <a:t>Local Learning With Deep and Handcrafted Features for Facial Expression Recognition</a:t>
+            </a:r>
+            <a:r>
+              <a:rPr lang="it-IT" sz="2400" dirty="0"/>
+              <a:t>» (</a:t>
+            </a:r>
+            <a:r>
+              <a:rPr lang="it-IT" sz="2400" u="sng" dirty="0">
+                <a:hlinkClick r:id="rId2"/>
+              </a:rPr>
+              <a:t>https://ieeexplore.ieee.org/stamp/stamp.jsp?arnumber=8716652</a:t>
+            </a:r>
+            <a:r>
+              <a:rPr lang="it-IT" sz="2400" dirty="0"/>
+              <a:t>)</a:t>
+            </a:r>
+          </a:p>
+          <a:p>
+            <a:pPr marL="0" indent="0">
+              <a:buNone/>
+            </a:pPr>
+            <a:endParaRPr lang="it-IT" sz="2400" dirty="0"/>
+          </a:p>
+          <a:p>
+            <a:r>
+              <a:rPr lang="it-IT" sz="2400" b="1" dirty="0" err="1"/>
+              <a:t>VGGFace</a:t>
+            </a:r>
+            <a:r>
+              <a:rPr lang="it-IT" sz="2400" b="1" dirty="0"/>
+              <a:t>(vgg16)</a:t>
+            </a:r>
+            <a:r>
+              <a:rPr lang="it-IT" sz="2400" dirty="0"/>
+              <a:t>:  congelati tutti i </a:t>
+            </a:r>
+            <a:r>
+              <a:rPr lang="it-IT" sz="2400" dirty="0" err="1"/>
               <a:t>layers</a:t>
             </a:r>
             <a:r>
-              <a:rPr lang="it-IT" dirty="0"/>
-              <a:t> della prima fase, ai quali vengono assegnati i pesi dei corrispettivi </a:t>
-            </a:r>
-            <a:r>
-              <a:rPr lang="it-IT" dirty="0" err="1"/>
+              <a:rPr lang="it-IT" sz="2400" dirty="0"/>
+              <a:t> </a:t>
+            </a:r>
+            <a:r>
+              <a:rPr lang="it-IT" sz="2400" dirty="0" err="1"/>
+              <a:t>convoluzionali</a:t>
+            </a:r>
+            <a:r>
+              <a:rPr lang="it-IT" sz="2400" dirty="0"/>
+              <a:t>. E’ stato rimpiazzato l’ultimo </a:t>
+            </a:r>
+            <a:r>
+              <a:rPr lang="it-IT" sz="2400" dirty="0" err="1"/>
+              <a:t>layer</a:t>
+            </a:r>
+            <a:r>
+              <a:rPr lang="it-IT" sz="2400" dirty="0"/>
+              <a:t> </a:t>
+            </a:r>
+            <a:r>
+              <a:rPr lang="it-IT" sz="2400" dirty="0" err="1"/>
+              <a:t>softmax</a:t>
+            </a:r>
+            <a:r>
+              <a:rPr lang="it-IT" sz="2400" dirty="0"/>
+              <a:t>, formato da 1000 unità, con un altro formato da 7 unità. Dopo il primo </a:t>
+            </a:r>
+            <a:r>
+              <a:rPr lang="it-IT" sz="2400" dirty="0" err="1"/>
+              <a:t>layer</a:t>
+            </a:r>
+            <a:r>
+              <a:rPr lang="it-IT" sz="2400" dirty="0"/>
+              <a:t> </a:t>
+            </a:r>
+            <a:r>
+              <a:rPr lang="it-IT" sz="2400" dirty="0" err="1"/>
+              <a:t>fully-connected</a:t>
+            </a:r>
+            <a:r>
+              <a:rPr lang="it-IT" sz="2400" dirty="0"/>
+              <a:t> è stato aggiunto un </a:t>
+            </a:r>
+            <a:r>
+              <a:rPr lang="it-IT" sz="2400" dirty="0" err="1"/>
+              <a:t>layer</a:t>
+            </a:r>
+            <a:r>
+              <a:rPr lang="it-IT" sz="2400" dirty="0"/>
+              <a:t> </a:t>
+            </a:r>
+            <a:r>
+              <a:rPr lang="it-IT" sz="2400" dirty="0" err="1"/>
+              <a:t>Dropout</a:t>
+            </a:r>
+            <a:r>
+              <a:rPr lang="it-IT" sz="2400" dirty="0"/>
+              <a:t> con </a:t>
+            </a:r>
+            <a:r>
+              <a:rPr lang="it-IT" sz="2400" dirty="0" err="1"/>
+              <a:t>dropout</a:t>
+            </a:r>
+            <a:r>
+              <a:rPr lang="it-IT" sz="2400" dirty="0"/>
+              <a:t> rate impostato a 0.7.</a:t>
+            </a:r>
+          </a:p>
+          <a:p>
+            <a:r>
+              <a:rPr lang="it-IT" sz="2400" b="1" dirty="0" err="1"/>
+              <a:t>VGGFace</a:t>
+            </a:r>
+            <a:r>
+              <a:rPr lang="it-IT" sz="2400" b="1" dirty="0"/>
+              <a:t>(ResNet50)</a:t>
+            </a:r>
+            <a:r>
+              <a:rPr lang="it-IT" sz="2400" dirty="0"/>
+              <a:t>:</a:t>
+            </a:r>
+            <a:r>
+              <a:rPr lang="it-IT" sz="2400" b="1" dirty="0"/>
+              <a:t> </a:t>
+            </a:r>
+            <a:r>
+              <a:rPr lang="it-IT" sz="2400" dirty="0"/>
+              <a:t>congelati tutti i </a:t>
+            </a:r>
+            <a:r>
+              <a:rPr lang="it-IT" sz="2400" dirty="0" err="1"/>
               <a:t>layers</a:t>
             </a:r>
             <a:r>
-              <a:rPr lang="it-IT" dirty="0"/>
-              <a:t> del modello addestrato nella fase precedente. </a:t>
-            </a:r>
-          </a:p>
-          <a:p>
-            <a:r>
-              <a:rPr lang="it-IT" dirty="0"/>
-              <a:t>Esempio: nella terza fase si utilizzano gli stessi </a:t>
-            </a:r>
-            <a:r>
-              <a:rPr lang="it-IT" dirty="0" err="1"/>
+              <a:rPr lang="it-IT" sz="2400" dirty="0"/>
+              <a:t> </a:t>
+            </a:r>
+            <a:r>
+              <a:rPr lang="it-IT" sz="2400" dirty="0" err="1"/>
+              <a:t>convoluzionali</a:t>
+            </a:r>
+            <a:r>
+              <a:rPr lang="it-IT" sz="2400" dirty="0"/>
+              <a:t>. Sono stati aggiunti dei </a:t>
+            </a:r>
+            <a:r>
+              <a:rPr lang="it-IT" sz="2400" dirty="0" err="1"/>
               <a:t>layers</a:t>
             </a:r>
             <a:r>
-              <a:rPr lang="it-IT" dirty="0"/>
-              <a:t> della prima fase, ma vengono assegnati i pesi dei </a:t>
-            </a:r>
-            <a:r>
-              <a:rPr lang="it-IT" dirty="0" err="1"/>
-              <a:t>layers</a:t>
-            </a:r>
-            <a:r>
-              <a:rPr lang="it-IT" dirty="0"/>
-              <a:t> del modello addestrato nella seconda fase.</a:t>
+              <a:rPr lang="it-IT" sz="2400" dirty="0"/>
+              <a:t> </a:t>
+            </a:r>
+            <a:r>
+              <a:rPr lang="it-IT" sz="2400" dirty="0" err="1"/>
+              <a:t>Flatten</a:t>
+            </a:r>
+            <a:r>
+              <a:rPr lang="it-IT" sz="2400" dirty="0"/>
+              <a:t>, Dense, </a:t>
+            </a:r>
+            <a:r>
+              <a:rPr lang="it-IT" sz="2400" dirty="0" err="1"/>
+              <a:t>Dropout</a:t>
+            </a:r>
+            <a:r>
+              <a:rPr lang="it-IT" sz="2400" dirty="0"/>
+              <a:t>, Dense.</a:t>
             </a:r>
           </a:p>
         </p:txBody>
@@ -7330,7 +7467,7 @@
     </p:spTree>
     <p:extLst>
       <p:ext uri="{BB962C8B-B14F-4D97-AF65-F5344CB8AC3E}">
-        <p14:creationId xmlns:p14="http://schemas.microsoft.com/office/powerpoint/2010/main" val="3576757045"/>
+        <p14:creationId xmlns:p14="http://schemas.microsoft.com/office/powerpoint/2010/main" val="1559038291"/>
       </p:ext>
     </p:extLst>
   </p:cSld>
@@ -7362,6 +7499,154 @@
           <p:cNvPr id="2" name="Titolo 1">
             <a:extLst>
               <a:ext uri="{FF2B5EF4-FFF2-40B4-BE49-F238E27FC236}">
+                <a16:creationId xmlns:a16="http://schemas.microsoft.com/office/drawing/2014/main" id="{67B0F3CD-9480-47A1-9E98-20C16B711D93}"/>
+              </a:ext>
+            </a:extLst>
+          </p:cNvPr>
+          <p:cNvSpPr>
+            <a:spLocks noGrp="1"/>
+          </p:cNvSpPr>
+          <p:nvPr>
+            <p:ph type="title"/>
+          </p:nvPr>
+        </p:nvSpPr>
+        <p:spPr/>
+        <p:txBody>
+          <a:bodyPr/>
+          <a:lstStyle/>
+          <a:p>
+            <a:r>
+              <a:rPr lang="it-IT" b="1" dirty="0">
+                <a:solidFill>
+                  <a:schemeClr val="accent6"/>
+                </a:solidFill>
+              </a:rPr>
+              <a:t>Approccio utilizzato: fine-tuning con metodo Dense-Sparse-Dense(DSD)</a:t>
+            </a:r>
+          </a:p>
+        </p:txBody>
+      </p:sp>
+      <p:sp>
+        <p:nvSpPr>
+          <p:cNvPr id="3" name="Segnaposto contenuto 2">
+            <a:extLst>
+              <a:ext uri="{FF2B5EF4-FFF2-40B4-BE49-F238E27FC236}">
+                <a16:creationId xmlns:a16="http://schemas.microsoft.com/office/drawing/2014/main" id="{3A795E4F-3B5F-47C6-88D2-0E8154B2F182}"/>
+              </a:ext>
+            </a:extLst>
+          </p:cNvPr>
+          <p:cNvSpPr>
+            <a:spLocks noGrp="1"/>
+          </p:cNvSpPr>
+          <p:nvPr>
+            <p:ph idx="1"/>
+          </p:nvPr>
+        </p:nvSpPr>
+        <p:spPr/>
+        <p:txBody>
+          <a:bodyPr/>
+          <a:lstStyle/>
+          <a:p>
+            <a:r>
+              <a:rPr lang="it-IT" dirty="0"/>
+              <a:t>Metodo utilizzato per ridurre il problema di </a:t>
+            </a:r>
+            <a:r>
+              <a:rPr lang="it-IT" dirty="0" err="1"/>
+              <a:t>overfitting</a:t>
+            </a:r>
+            <a:r>
+              <a:rPr lang="it-IT" dirty="0"/>
+              <a:t> dei modelli.</a:t>
+            </a:r>
+          </a:p>
+          <a:p>
+            <a:r>
+              <a:rPr lang="it-IT" dirty="0"/>
+              <a:t>Consiste nel suddividere il training in tre fasi, due fasi Dense e una fase Sparse.</a:t>
+            </a:r>
+          </a:p>
+          <a:p>
+            <a:r>
+              <a:rPr lang="it-IT" dirty="0"/>
+              <a:t>Nelle fasi successive alla prima, si utilizzano gli stessi </a:t>
+            </a:r>
+            <a:r>
+              <a:rPr lang="it-IT" dirty="0" err="1"/>
+              <a:t>layers</a:t>
+            </a:r>
+            <a:r>
+              <a:rPr lang="it-IT" dirty="0"/>
+              <a:t> della prima fase, ai quali vengono assegnati i pesi dei corrispettivi </a:t>
+            </a:r>
+            <a:r>
+              <a:rPr lang="it-IT" dirty="0" err="1"/>
+              <a:t>layers</a:t>
+            </a:r>
+            <a:r>
+              <a:rPr lang="it-IT" dirty="0"/>
+              <a:t> del modello addestrato nella fase precedente. </a:t>
+            </a:r>
+          </a:p>
+          <a:p>
+            <a:r>
+              <a:rPr lang="it-IT" dirty="0"/>
+              <a:t>Esempio: nella terza fase si utilizzano gli stessi </a:t>
+            </a:r>
+            <a:r>
+              <a:rPr lang="it-IT" dirty="0" err="1"/>
+              <a:t>layers</a:t>
+            </a:r>
+            <a:r>
+              <a:rPr lang="it-IT" dirty="0"/>
+              <a:t> della prima fase, ma vengono assegnati i pesi dei </a:t>
+            </a:r>
+            <a:r>
+              <a:rPr lang="it-IT" dirty="0" err="1"/>
+              <a:t>layers</a:t>
+            </a:r>
+            <a:r>
+              <a:rPr lang="it-IT" dirty="0"/>
+              <a:t> del modello addestrato nella seconda fase.</a:t>
+            </a:r>
+          </a:p>
+        </p:txBody>
+      </p:sp>
+    </p:spTree>
+    <p:extLst>
+      <p:ext uri="{BB962C8B-B14F-4D97-AF65-F5344CB8AC3E}">
+        <p14:creationId xmlns:p14="http://schemas.microsoft.com/office/powerpoint/2010/main" val="3576757045"/>
+      </p:ext>
+    </p:extLst>
+  </p:cSld>
+  <p:clrMapOvr>
+    <a:masterClrMapping/>
+  </p:clrMapOvr>
+</p:sld>
+</file>
+
+<file path=ppt/slides/slide7.xml><?xml version="1.0" encoding="utf-8"?>
+<p:sld xmlns:a="http://schemas.openxmlformats.org/drawingml/2006/main" xmlns:r="http://schemas.openxmlformats.org/officeDocument/2006/relationships" xmlns:p="http://schemas.openxmlformats.org/presentationml/2006/main">
+  <p:cSld>
+    <p:spTree>
+      <p:nvGrpSpPr>
+        <p:cNvPr id="1" name=""/>
+        <p:cNvGrpSpPr/>
+        <p:nvPr/>
+      </p:nvGrpSpPr>
+      <p:grpSpPr>
+        <a:xfrm>
+          <a:off x="0" y="0"/>
+          <a:ext cx="0" cy="0"/>
+          <a:chOff x="0" y="0"/>
+          <a:chExt cx="0" cy="0"/>
+        </a:xfrm>
+      </p:grpSpPr>
+      <p:sp>
+        <p:nvSpPr>
+          <p:cNvPr id="2" name="Titolo 1">
+            <a:extLst>
+              <a:ext uri="{FF2B5EF4-FFF2-40B4-BE49-F238E27FC236}">
                 <a16:creationId xmlns:a16="http://schemas.microsoft.com/office/drawing/2014/main" id="{6B5769D2-D0C0-4C04-8355-59B266725AA7}"/>
               </a:ext>
             </a:extLst>
@@ -7471,7 +7756,10 @@
               <a:rPr lang="it-IT" dirty="0" err="1"/>
               <a:t>constraint</a:t>
             </a:r>
-            <a:endParaRPr lang="it-IT" dirty="0"/>
+            <a:r>
+              <a:rPr lang="it-IT" dirty="0"/>
+              <a:t>.</a:t>
+            </a:r>
           </a:p>
           <a:p>
             <a:r>
@@ -7508,7 +7796,7 @@
 </p:sld>
 </file>
 
-<file path=ppt/slides/slide7.xml><?xml version="1.0" encoding="utf-8"?>
+<file path=ppt/slides/slide8.xml><?xml version="1.0" encoding="utf-8"?>
 <p:sld xmlns:a="http://schemas.openxmlformats.org/drawingml/2006/main" xmlns:r="http://schemas.openxmlformats.org/officeDocument/2006/relationships" xmlns:p="http://schemas.openxmlformats.org/presentationml/2006/main">
   <p:cSld>
     <p:spTree>
@@ -7686,127 +7974,6 @@
 </p:sld>
 </file>
 
-<file path=ppt/slides/slide8.xml><?xml version="1.0" encoding="utf-8"?>
-<p:sld xmlns:a="http://schemas.openxmlformats.org/drawingml/2006/main" xmlns:r="http://schemas.openxmlformats.org/officeDocument/2006/relationships" xmlns:p="http://schemas.openxmlformats.org/presentationml/2006/main">
-  <p:cSld>
-    <p:spTree>
-      <p:nvGrpSpPr>
-        <p:cNvPr id="1" name=""/>
-        <p:cNvGrpSpPr/>
-        <p:nvPr/>
-      </p:nvGrpSpPr>
-      <p:grpSpPr>
-        <a:xfrm>
-          <a:off x="0" y="0"/>
-          <a:ext cx="0" cy="0"/>
-          <a:chOff x="0" y="0"/>
-          <a:chExt cx="0" cy="0"/>
-        </a:xfrm>
-      </p:grpSpPr>
-      <p:sp>
-        <p:nvSpPr>
-          <p:cNvPr id="2" name="Titolo 1">
-            <a:extLst>
-              <a:ext uri="{FF2B5EF4-FFF2-40B4-BE49-F238E27FC236}">
-                <a16:creationId xmlns:a16="http://schemas.microsoft.com/office/drawing/2014/main" id="{3C424A03-9B3A-4358-96A3-9839C6D5F04D}"/>
-              </a:ext>
-            </a:extLst>
-          </p:cNvPr>
-          <p:cNvSpPr>
-            <a:spLocks noGrp="1"/>
-          </p:cNvSpPr>
-          <p:nvPr>
-            <p:ph type="title"/>
-          </p:nvPr>
-        </p:nvSpPr>
-        <p:spPr/>
-        <p:txBody>
-          <a:bodyPr/>
-          <a:lstStyle/>
-          <a:p>
-            <a:r>
-              <a:rPr lang="it-IT" b="1" dirty="0">
-                <a:solidFill>
-                  <a:schemeClr val="accent6"/>
-                </a:solidFill>
-              </a:rPr>
-              <a:t>Approccio utilizzato: </a:t>
-            </a:r>
-            <a:r>
-              <a:rPr lang="it-IT" b="1" dirty="0" err="1">
-                <a:solidFill>
-                  <a:schemeClr val="accent6"/>
-                </a:solidFill>
-              </a:rPr>
-              <a:t>ReduceLRonPlateau</a:t>
-            </a:r>
-            <a:endParaRPr lang="it-IT" dirty="0"/>
-          </a:p>
-        </p:txBody>
-      </p:sp>
-      <p:sp>
-        <p:nvSpPr>
-          <p:cNvPr id="3" name="Segnaposto contenuto 2">
-            <a:extLst>
-              <a:ext uri="{FF2B5EF4-FFF2-40B4-BE49-F238E27FC236}">
-                <a16:creationId xmlns:a16="http://schemas.microsoft.com/office/drawing/2014/main" id="{72D77B94-BB33-4557-ACD4-C854CB1DE38C}"/>
-              </a:ext>
-            </a:extLst>
-          </p:cNvPr>
-          <p:cNvSpPr>
-            <a:spLocks noGrp="1"/>
-          </p:cNvSpPr>
-          <p:nvPr>
-            <p:ph idx="1"/>
-          </p:nvPr>
-        </p:nvSpPr>
-        <p:spPr/>
-        <p:txBody>
-          <a:bodyPr/>
-          <a:lstStyle/>
-          <a:p>
-            <a:r>
-              <a:rPr lang="it-IT" dirty="0"/>
-              <a:t>Funzione utilizzata per ridurre il learning rate di un fattore x qualora esso dovesse stagnare per un numero n di epoche.</a:t>
-            </a:r>
-          </a:p>
-          <a:p>
-            <a:r>
-              <a:rPr lang="it-IT" dirty="0"/>
-              <a:t>Seguendo quanto contenuto nel paper, è stato ridotto il learning rate di un fattore di </a:t>
-            </a:r>
-            <a:r>
-              <a:rPr lang="it-IT" b="1" dirty="0"/>
-              <a:t>10</a:t>
-            </a:r>
-            <a:r>
-              <a:rPr lang="it-IT" dirty="0"/>
-              <a:t> solo nel caso in cui il suo valore sarebbe stagnato per più di </a:t>
-            </a:r>
-            <a:r>
-              <a:rPr lang="it-IT" b="1" dirty="0"/>
-              <a:t>10</a:t>
-            </a:r>
-            <a:r>
-              <a:rPr lang="it-IT" dirty="0"/>
-              <a:t> epoche.</a:t>
-            </a:r>
-          </a:p>
-        </p:txBody>
-      </p:sp>
-    </p:spTree>
-    <p:extLst>
-      <p:ext uri="{BB962C8B-B14F-4D97-AF65-F5344CB8AC3E}">
-        <p14:creationId xmlns:p14="http://schemas.microsoft.com/office/powerpoint/2010/main" val="253780743"/>
-      </p:ext>
-    </p:extLst>
-  </p:cSld>
-  <p:clrMapOvr>
-    <a:masterClrMapping/>
-  </p:clrMapOvr>
-</p:sld>
-</file>
-
 <file path=ppt/slides/slide9.xml><?xml version="1.0" encoding="utf-8"?>
 <p:sld xmlns:a="http://schemas.openxmlformats.org/drawingml/2006/main" xmlns:r="http://schemas.openxmlformats.org/officeDocument/2006/relationships" xmlns:p="http://schemas.openxmlformats.org/presentationml/2006/main">
   <p:cSld>
@@ -7829,7 +7996,7 @@
           <p:cNvPr id="2" name="Titolo 1">
             <a:extLst>
               <a:ext uri="{FF2B5EF4-FFF2-40B4-BE49-F238E27FC236}">
-                <a16:creationId xmlns:a16="http://schemas.microsoft.com/office/drawing/2014/main" id="{DE411D0B-F5A2-4E6D-841F-AEB3E4EC67E6}"/>
+                <a16:creationId xmlns:a16="http://schemas.microsoft.com/office/drawing/2014/main" id="{3C424A03-9B3A-4358-96A3-9839C6D5F04D}"/>
               </a:ext>
             </a:extLst>
           </p:cNvPr>
@@ -7851,8 +8018,17 @@
                   <a:schemeClr val="accent6"/>
                 </a:solidFill>
               </a:rPr>
-              <a:t>Approccio utilizzato: learning rate e numero di epoche</a:t>
-            </a:r>
+              <a:t>Approccio utilizzato: </a:t>
+            </a:r>
+            <a:r>
+              <a:rPr lang="it-IT" b="1" dirty="0" err="1">
+                <a:solidFill>
+                  <a:schemeClr val="accent6"/>
+                </a:solidFill>
+              </a:rPr>
+              <a:t>ReduceLRonPlateau</a:t>
+            </a:r>
+            <a:endParaRPr lang="it-IT" dirty="0"/>
           </a:p>
         </p:txBody>
       </p:sp>
@@ -7861,7 +8037,7 @@
           <p:cNvPr id="3" name="Segnaposto contenuto 2">
             <a:extLst>
               <a:ext uri="{FF2B5EF4-FFF2-40B4-BE49-F238E27FC236}">
-                <a16:creationId xmlns:a16="http://schemas.microsoft.com/office/drawing/2014/main" id="{4B295543-1E1A-482B-AA7C-46C9F813CD57}"/>
+                <a16:creationId xmlns:a16="http://schemas.microsoft.com/office/drawing/2014/main" id="{72D77B94-BB33-4557-ACD4-C854CB1DE38C}"/>
               </a:ext>
             </a:extLst>
           </p:cNvPr>
@@ -7874,81 +8050,42 @@
         </p:nvSpPr>
         <p:spPr/>
         <p:txBody>
-          <a:bodyPr>
-            <a:normAutofit lnSpcReduction="10000"/>
-          </a:bodyPr>
+          <a:bodyPr/>
           <a:lstStyle/>
           <a:p>
             <a:r>
+              <a:rPr lang="it-IT" dirty="0"/>
+              <a:t>Funzione utilizzata per ridurre il learning rate di un fattore x qualora esso dovesse stagnare per un numero n di epoche.</a:t>
+            </a:r>
+          </a:p>
+          <a:p>
+            <a:r>
+              <a:rPr lang="it-IT" dirty="0"/>
+              <a:t>Seguendo quanto contenuto nel paper, è stato ridotto il learning rate di un fattore di </a:t>
+            </a:r>
+            <a:r>
               <a:rPr lang="it-IT" b="1" dirty="0"/>
-              <a:t>Prima fase Dense</a:t>
-            </a:r>
-            <a:r>
-              <a:rPr lang="it-IT" dirty="0"/>
-              <a:t>: learning rate impostato a </a:t>
+              <a:t>10</a:t>
+            </a:r>
+            <a:r>
+              <a:rPr lang="it-IT" dirty="0"/>
+              <a:t> solo nel caso in cui il suo valore sarebbe stagnato per più di </a:t>
             </a:r>
             <a:r>
               <a:rPr lang="it-IT" b="1" dirty="0"/>
-              <a:t>1e-4 </a:t>
-            </a:r>
-            <a:r>
-              <a:rPr lang="it-IT" dirty="0"/>
-              <a:t>e numero di epoche impostato a 200.</a:t>
-            </a:r>
-            <a:r>
-              <a:rPr lang="it-IT" b="1" dirty="0"/>
-              <a:t> </a:t>
-            </a:r>
-          </a:p>
-          <a:p>
-            <a:r>
-              <a:rPr lang="it-IT" b="1" dirty="0"/>
-              <a:t>Prima fase Sparse</a:t>
-            </a:r>
-            <a:r>
-              <a:rPr lang="it-IT" dirty="0"/>
-              <a:t>: valore di learning rate uguale a quello ottenuto nella fase precedente e numero di epoche impostato a 50.</a:t>
-            </a:r>
-          </a:p>
-          <a:p>
-            <a:r>
-              <a:rPr lang="it-IT" b="1" dirty="0"/>
-              <a:t>Seconda fase Dense</a:t>
-            </a:r>
-            <a:r>
-              <a:rPr lang="it-IT" dirty="0"/>
-              <a:t>: valore di learning rate uguale a quello ottenuto nella fase precedente e numero di epoche impostato a 50.</a:t>
-            </a:r>
-          </a:p>
-          <a:p>
-            <a:r>
-              <a:rPr lang="it-IT" b="1" dirty="0"/>
-              <a:t>Seconda fase Sparse</a:t>
-            </a:r>
-            <a:r>
-              <a:rPr lang="it-IT" dirty="0"/>
-              <a:t>: valore di learning rate uguale a quello ottenuto nella fase precedente e numero di epoche impostato a 50.</a:t>
-            </a:r>
-          </a:p>
-          <a:p>
-            <a:r>
-              <a:rPr lang="it-IT" b="1" dirty="0"/>
-              <a:t>Terza fase Dense</a:t>
-            </a:r>
-            <a:r>
-              <a:rPr lang="it-IT" dirty="0"/>
-              <a:t>: valore di learning rate uguale a quello ottenuto nella fase precedente e numero di epoche impostato a 50.</a:t>
-            </a:r>
-          </a:p>
-          <a:p>
-            <a:endParaRPr lang="it-IT" dirty="0"/>
+              <a:t>10</a:t>
+            </a:r>
+            <a:r>
+              <a:rPr lang="it-IT" dirty="0"/>
+              <a:t> epoche.</a:t>
+            </a:r>
           </a:p>
         </p:txBody>
       </p:sp>
     </p:spTree>
     <p:extLst>
       <p:ext uri="{BB962C8B-B14F-4D97-AF65-F5344CB8AC3E}">
-        <p14:creationId xmlns:p14="http://schemas.microsoft.com/office/powerpoint/2010/main" val="1285700180"/>
+        <p14:creationId xmlns:p14="http://schemas.microsoft.com/office/powerpoint/2010/main" val="253780743"/>
       </p:ext>
     </p:extLst>
   </p:cSld>
